--- a/Case Study 6/Clique Bait.pptx
+++ b/Case Study 6/Clique Bait.pptx
@@ -218,7 +218,7 @@
           <a:p>
             <a:fld id="{20DFE3F5-EE15-478C-B45A-06C3B5C64B5C}" type="datetimeFigureOut">
               <a:rPr lang="en-IN" smtClean="0"/>
-              <a:t>12-04-2024</a:t>
+              <a:t>30-04-2024</a:t>
             </a:fld>
             <a:endParaRPr lang="en-IN"/>
           </a:p>
@@ -701,7 +701,7 @@
           <a:p>
             <a:fld id="{3F24A17A-0348-4C7F-A0D8-EE2B91625188}" type="datetime1">
               <a:rPr lang="en-IN" smtClean="0"/>
-              <a:t>12-04-2024</a:t>
+              <a:t>30-04-2024</a:t>
             </a:fld>
             <a:endParaRPr lang="en-IN"/>
           </a:p>
@@ -875,7 +875,7 @@
           <a:p>
             <a:fld id="{A72A375E-16B7-422A-8977-70635A2C8334}" type="datetime1">
               <a:rPr lang="en-IN" smtClean="0"/>
-              <a:t>12-04-2024</a:t>
+              <a:t>30-04-2024</a:t>
             </a:fld>
             <a:endParaRPr lang="en-IN"/>
           </a:p>
@@ -1059,7 +1059,7 @@
           <a:p>
             <a:fld id="{64B4E3B3-7451-4618-95DE-F9AF8ADF06E9}" type="datetime1">
               <a:rPr lang="en-IN" smtClean="0"/>
-              <a:t>12-04-2024</a:t>
+              <a:t>30-04-2024</a:t>
             </a:fld>
             <a:endParaRPr lang="en-IN"/>
           </a:p>
@@ -1233,7 +1233,7 @@
           <a:p>
             <a:fld id="{083A16FA-0D30-4E54-907E-9BA4A02816BF}" type="datetime1">
               <a:rPr lang="en-IN" smtClean="0"/>
-              <a:t>12-04-2024</a:t>
+              <a:t>30-04-2024</a:t>
             </a:fld>
             <a:endParaRPr lang="en-IN"/>
           </a:p>
@@ -1483,7 +1483,7 @@
           <a:p>
             <a:fld id="{B899580F-AA71-4A58-B7EA-1021E2963983}" type="datetime1">
               <a:rPr lang="en-IN" smtClean="0"/>
-              <a:t>12-04-2024</a:t>
+              <a:t>30-04-2024</a:t>
             </a:fld>
             <a:endParaRPr lang="en-IN"/>
           </a:p>
@@ -1719,7 +1719,7 @@
           <a:p>
             <a:fld id="{F8E640F7-E251-4A29-8131-87507850C792}" type="datetime1">
               <a:rPr lang="en-IN" smtClean="0"/>
-              <a:t>12-04-2024</a:t>
+              <a:t>30-04-2024</a:t>
             </a:fld>
             <a:endParaRPr lang="en-IN"/>
           </a:p>
@@ -2090,7 +2090,7 @@
           <a:p>
             <a:fld id="{2AF89826-656B-4B54-BB44-9DBD52E6B850}" type="datetime1">
               <a:rPr lang="en-IN" smtClean="0"/>
-              <a:t>12-04-2024</a:t>
+              <a:t>30-04-2024</a:t>
             </a:fld>
             <a:endParaRPr lang="en-IN"/>
           </a:p>
@@ -2212,7 +2212,7 @@
           <a:p>
             <a:fld id="{3DE1CB31-8D64-4586-894C-E1EAC9013A59}" type="datetime1">
               <a:rPr lang="en-IN" smtClean="0"/>
-              <a:t>12-04-2024</a:t>
+              <a:t>30-04-2024</a:t>
             </a:fld>
             <a:endParaRPr lang="en-IN"/>
           </a:p>
@@ -2311,7 +2311,7 @@
           <a:p>
             <a:fld id="{3390D88D-F990-4A98-8505-B923A9004C9A}" type="datetime1">
               <a:rPr lang="en-IN" smtClean="0"/>
-              <a:t>12-04-2024</a:t>
+              <a:t>30-04-2024</a:t>
             </a:fld>
             <a:endParaRPr lang="en-IN"/>
           </a:p>
@@ -2592,7 +2592,7 @@
           <a:p>
             <a:fld id="{F155595B-87BE-4647-9F46-28E91C445A83}" type="datetime1">
               <a:rPr lang="en-IN" smtClean="0"/>
-              <a:t>12-04-2024</a:t>
+              <a:t>30-04-2024</a:t>
             </a:fld>
             <a:endParaRPr lang="en-IN"/>
           </a:p>
@@ -2849,7 +2849,7 @@
           <a:p>
             <a:fld id="{99E92AFC-97D5-429D-B6F4-74F37A056DC3}" type="datetime1">
               <a:rPr lang="en-IN" smtClean="0"/>
-              <a:t>12-04-2024</a:t>
+              <a:t>30-04-2024</a:t>
             </a:fld>
             <a:endParaRPr lang="en-IN"/>
           </a:p>
@@ -3066,7 +3066,7 @@
           <a:p>
             <a:fld id="{BBE8B910-90E6-4F5E-8DFE-52493BD9413E}" type="datetime1">
               <a:rPr lang="en-IN" smtClean="0"/>
-              <a:t>12-04-2024</a:t>
+              <a:t>30-04-2024</a:t>
             </a:fld>
             <a:endParaRPr lang="en-IN"/>
           </a:p>
@@ -3556,8 +3556,8 @@
         </p:nvSpPr>
         <p:spPr>
           <a:xfrm>
-            <a:off x="508001" y="2057400"/>
-            <a:ext cx="4156364" cy="3811588"/>
+            <a:off x="193171" y="2057400"/>
+            <a:ext cx="4471194" cy="3811588"/>
           </a:xfrm>
         </p:spPr>
         <p:txBody>
@@ -3567,8 +3567,16 @@
           <a:lstStyle/>
           <a:p>
             <a:r>
-              <a:rPr lang="en-US" sz="4800" b="1" dirty="0"/>
-              <a:t>Case Study #6 - Clique Bait</a:t>
+              <a:rPr lang="en-US" sz="5400" b="1" dirty="0"/>
+              <a:t>Case Study #</a:t>
+            </a:r>
+            <a:r>
+              <a:rPr lang="en-US" sz="5400" b="1" dirty="0" smtClean="0"/>
+              <a:t>6 </a:t>
+            </a:r>
+            <a:r>
+              <a:rPr lang="en-US" sz="5400" b="1" dirty="0"/>
+              <a:t>Clique Bait</a:t>
             </a:r>
           </a:p>
           <a:p>
@@ -3593,7 +3601,7 @@
           <a:p>
             <a:fld id="{8FDAEFCC-F168-441E-9722-855E5BF756CC}" type="datetime1">
               <a:rPr lang="en-IN" smtClean="0"/>
-              <a:t>12-04-2024</a:t>
+              <a:t>30-04-2024</a:t>
             </a:fld>
             <a:endParaRPr lang="en-IN"/>
           </a:p>
@@ -3743,7 +3751,7 @@
           <a:p>
             <a:fld id="{083A16FA-0D30-4E54-907E-9BA4A02816BF}" type="datetime1">
               <a:rPr lang="en-IN" smtClean="0"/>
-              <a:t>12-04-2024</a:t>
+              <a:t>30-04-2024</a:t>
             </a:fld>
             <a:endParaRPr lang="en-IN"/>
           </a:p>
@@ -3891,7 +3899,7 @@
           <a:p>
             <a:fld id="{083A16FA-0D30-4E54-907E-9BA4A02816BF}" type="datetime1">
               <a:rPr lang="en-IN" smtClean="0"/>
-              <a:t>12-04-2024</a:t>
+              <a:t>30-04-2024</a:t>
             </a:fld>
             <a:endParaRPr lang="en-IN"/>
           </a:p>
@@ -4039,7 +4047,7 @@
           <a:p>
             <a:fld id="{083A16FA-0D30-4E54-907E-9BA4A02816BF}" type="datetime1">
               <a:rPr lang="en-IN" smtClean="0"/>
-              <a:t>12-04-2024</a:t>
+              <a:t>30-04-2024</a:t>
             </a:fld>
             <a:endParaRPr lang="en-IN"/>
           </a:p>
@@ -4311,7 +4319,7 @@
           <a:p>
             <a:fld id="{083A16FA-0D30-4E54-907E-9BA4A02816BF}" type="datetime1">
               <a:rPr lang="en-IN" smtClean="0"/>
-              <a:t>12-04-2024</a:t>
+              <a:t>30-04-2024</a:t>
             </a:fld>
             <a:endParaRPr lang="en-IN"/>
           </a:p>
@@ -4437,7 +4445,7 @@
         </p:blipFill>
         <p:spPr>
           <a:xfrm>
-            <a:off x="838200" y="1142134"/>
+            <a:off x="437829" y="1142134"/>
             <a:ext cx="5296114" cy="5214216"/>
           </a:xfrm>
           <a:prstGeom prst="rect">
@@ -4462,7 +4470,7 @@
           <a:p>
             <a:fld id="{083A16FA-0D30-4E54-907E-9BA4A02816BF}" type="datetime1">
               <a:rPr lang="en-IN" smtClean="0"/>
-              <a:t>12-04-2024</a:t>
+              <a:t>30-04-2024</a:t>
             </a:fld>
             <a:endParaRPr lang="en-IN"/>
           </a:p>
@@ -4530,7 +4538,7 @@
         </p:blipFill>
         <p:spPr>
           <a:xfrm>
-            <a:off x="6134314" y="3909359"/>
+            <a:off x="5733943" y="2525746"/>
             <a:ext cx="6028496" cy="2446991"/>
           </a:xfrm>
           <a:prstGeom prst="rect">
@@ -4638,7 +4646,7 @@
         </p:blipFill>
         <p:spPr>
           <a:xfrm>
-            <a:off x="5445268" y="4777327"/>
+            <a:off x="5445268" y="3047476"/>
             <a:ext cx="5908533" cy="1399636"/>
           </a:xfrm>
           <a:prstGeom prst="rect">
@@ -4663,7 +4671,7 @@
           <a:p>
             <a:fld id="{F8E640F7-E251-4A29-8131-87507850C792}" type="datetime1">
               <a:rPr lang="en-IN" smtClean="0"/>
-              <a:t>12-04-2024</a:t>
+              <a:t>30-04-2024</a:t>
             </a:fld>
             <a:endParaRPr lang="en-IN"/>
           </a:p>
@@ -4814,27 +4822,43 @@
           <a:p>
             <a:r>
               <a:rPr lang="en-US" sz="3600" dirty="0" smtClean="0"/>
-              <a:t>Most viewed Product is Oyster</a:t>
+              <a:t>Most viewed Product is </a:t>
+            </a:r>
+            <a:r>
+              <a:rPr lang="en-US" sz="3600" b="1" dirty="0" smtClean="0"/>
+              <a:t>Oyster</a:t>
             </a:r>
           </a:p>
           <a:p>
             <a:r>
               <a:rPr lang="en-US" sz="3600" dirty="0" smtClean="0"/>
-              <a:t>Product with most number of cart adds is Lobster</a:t>
+              <a:t>Product with most number of cart adds is </a:t>
+            </a:r>
+            <a:r>
+              <a:rPr lang="en-US" sz="3600" b="1" dirty="0" smtClean="0"/>
+              <a:t>Lobster</a:t>
             </a:r>
           </a:p>
           <a:p>
             <a:r>
               <a:rPr lang="en-US" sz="3600" dirty="0" smtClean="0"/>
-              <a:t>Product which was purchased the most is Lobster</a:t>
+              <a:t>Product which was purchased the most is </a:t>
+            </a:r>
+            <a:r>
+              <a:rPr lang="en-US" sz="3600" b="1" dirty="0" smtClean="0"/>
+              <a:t>Lobster</a:t>
             </a:r>
           </a:p>
           <a:p>
             <a:r>
               <a:rPr lang="en-US" sz="3600" dirty="0" smtClean="0"/>
-              <a:t>Product which is Most likely to be abandoned is Russian Caviar</a:t>
-            </a:r>
-            <a:endParaRPr lang="en-IN" sz="3600" dirty="0"/>
+              <a:t>Product which is Most likely to be abandoned is </a:t>
+            </a:r>
+            <a:r>
+              <a:rPr lang="en-US" sz="3600" b="1" dirty="0" smtClean="0"/>
+              <a:t>Russian Caviar</a:t>
+            </a:r>
+            <a:endParaRPr lang="en-IN" sz="3600" b="1" dirty="0"/>
           </a:p>
         </p:txBody>
       </p:sp>
@@ -4855,7 +4879,7 @@
           <a:p>
             <a:fld id="{F8E640F7-E251-4A29-8131-87507850C792}" type="datetime1">
               <a:rPr lang="en-IN" smtClean="0"/>
-              <a:t>12-04-2024</a:t>
+              <a:t>30-04-2024</a:t>
             </a:fld>
             <a:endParaRPr lang="en-IN"/>
           </a:p>
@@ -5028,7 +5052,7 @@
           <a:p>
             <a:fld id="{F8E640F7-E251-4A29-8131-87507850C792}" type="datetime1">
               <a:rPr lang="en-IN" smtClean="0"/>
-              <a:t>12-04-2024</a:t>
+              <a:t>30-04-2024</a:t>
             </a:fld>
             <a:endParaRPr lang="en-IN"/>
           </a:p>
@@ -5176,7 +5200,7 @@
           <a:p>
             <a:fld id="{F8E640F7-E251-4A29-8131-87507850C792}" type="datetime1">
               <a:rPr lang="en-IN" smtClean="0"/>
-              <a:t>12-04-2024</a:t>
+              <a:t>30-04-2024</a:t>
             </a:fld>
             <a:endParaRPr lang="en-IN"/>
           </a:p>
@@ -5324,7 +5348,7 @@
           <a:p>
             <a:fld id="{083A16FA-0D30-4E54-907E-9BA4A02816BF}" type="datetime1">
               <a:rPr lang="en-IN" smtClean="0"/>
-              <a:t>12-04-2024</a:t>
+              <a:t>30-04-2024</a:t>
             </a:fld>
             <a:endParaRPr lang="en-IN"/>
           </a:p>
@@ -5489,7 +5513,7 @@
           <a:p>
             <a:fld id="{083A16FA-0D30-4E54-907E-9BA4A02816BF}" type="datetime1">
               <a:rPr lang="en-IN" smtClean="0"/>
-              <a:t>12-04-2024</a:t>
+              <a:t>30-04-2024</a:t>
             </a:fld>
             <a:endParaRPr lang="en-IN"/>
           </a:p>
@@ -5617,13 +5641,13 @@
         </p:nvSpPr>
         <p:spPr>
           <a:xfrm>
-            <a:off x="838200" y="1191491"/>
-            <a:ext cx="10515600" cy="4985472"/>
+            <a:off x="838200" y="1043710"/>
+            <a:ext cx="10515600" cy="5312640"/>
           </a:xfrm>
         </p:spPr>
         <p:txBody>
           <a:bodyPr>
-            <a:normAutofit fontScale="77500" lnSpcReduction="20000"/>
+            <a:normAutofit fontScale="85000" lnSpcReduction="20000"/>
           </a:bodyPr>
           <a:lstStyle/>
           <a:p>
@@ -5791,7 +5815,7 @@
           <a:p>
             <a:fld id="{083A16FA-0D30-4E54-907E-9BA4A02816BF}" type="datetime1">
               <a:rPr lang="en-IN" smtClean="0"/>
-              <a:t>12-04-2024</a:t>
+              <a:t>30-04-2024</a:t>
             </a:fld>
             <a:endParaRPr lang="en-IN"/>
           </a:p>
@@ -5914,8 +5938,8 @@
         </p:blipFill>
         <p:spPr>
           <a:xfrm>
-            <a:off x="1115223" y="1825625"/>
-            <a:ext cx="9961554" cy="4351338"/>
+            <a:off x="1115223" y="1690688"/>
+            <a:ext cx="9961554" cy="4486275"/>
           </a:xfrm>
           <a:prstGeom prst="rect">
             <a:avLst/>
@@ -5939,7 +5963,7 @@
           <a:p>
             <a:fld id="{083A16FA-0D30-4E54-907E-9BA4A02816BF}" type="datetime1">
               <a:rPr lang="en-IN" smtClean="0"/>
-              <a:t>12-04-2024</a:t>
+              <a:t>30-04-2024</a:t>
             </a:fld>
             <a:endParaRPr lang="en-IN"/>
           </a:p>
@@ -6087,7 +6111,7 @@
           <a:p>
             <a:fld id="{083A16FA-0D30-4E54-907E-9BA4A02816BF}" type="datetime1">
               <a:rPr lang="en-IN" smtClean="0"/>
-              <a:t>12-04-2024</a:t>
+              <a:t>30-04-2024</a:t>
             </a:fld>
             <a:endParaRPr lang="en-IN"/>
           </a:p>
@@ -6257,7 +6281,7 @@
           <a:p>
             <a:fld id="{083A16FA-0D30-4E54-907E-9BA4A02816BF}" type="datetime1">
               <a:rPr lang="en-IN" smtClean="0"/>
-              <a:t>12-04-2024</a:t>
+              <a:t>30-04-2024</a:t>
             </a:fld>
             <a:endParaRPr lang="en-IN"/>
           </a:p>
@@ -6530,7 +6554,7 @@
           <a:p>
             <a:fld id="{083A16FA-0D30-4E54-907E-9BA4A02816BF}" type="datetime1">
               <a:rPr lang="en-IN" smtClean="0"/>
-              <a:t>12-04-2024</a:t>
+              <a:t>30-04-2024</a:t>
             </a:fld>
             <a:endParaRPr lang="en-IN"/>
           </a:p>
@@ -6678,7 +6702,7 @@
           <a:p>
             <a:fld id="{083A16FA-0D30-4E54-907E-9BA4A02816BF}" type="datetime1">
               <a:rPr lang="en-IN" smtClean="0"/>
-              <a:t>12-04-2024</a:t>
+              <a:t>30-04-2024</a:t>
             </a:fld>
             <a:endParaRPr lang="en-IN"/>
           </a:p>
@@ -6826,7 +6850,7 @@
           <a:p>
             <a:fld id="{083A16FA-0D30-4E54-907E-9BA4A02816BF}" type="datetime1">
               <a:rPr lang="en-IN" smtClean="0"/>
-              <a:t>12-04-2024</a:t>
+              <a:t>30-04-2024</a:t>
             </a:fld>
             <a:endParaRPr lang="en-IN"/>
           </a:p>
@@ -6974,7 +6998,7 @@
           <a:p>
             <a:fld id="{083A16FA-0D30-4E54-907E-9BA4A02816BF}" type="datetime1">
               <a:rPr lang="en-IN" smtClean="0"/>
-              <a:t>12-04-2024</a:t>
+              <a:t>30-04-2024</a:t>
             </a:fld>
             <a:endParaRPr lang="en-IN"/>
           </a:p>
@@ -7122,7 +7146,7 @@
           <a:p>
             <a:fld id="{083A16FA-0D30-4E54-907E-9BA4A02816BF}" type="datetime1">
               <a:rPr lang="en-IN" smtClean="0"/>
-              <a:t>12-04-2024</a:t>
+              <a:t>30-04-2024</a:t>
             </a:fld>
             <a:endParaRPr lang="en-IN"/>
           </a:p>
@@ -7270,7 +7294,7 @@
           <a:p>
             <a:fld id="{083A16FA-0D30-4E54-907E-9BA4A02816BF}" type="datetime1">
               <a:rPr lang="en-IN" smtClean="0"/>
-              <a:t>12-04-2024</a:t>
+              <a:t>30-04-2024</a:t>
             </a:fld>
             <a:endParaRPr lang="en-IN"/>
           </a:p>
